--- a/docs/wp3.pptx
+++ b/docs/wp3.pptx
@@ -104,6 +104,11 @@
       </a:defRPr>
     </a:lvl9pPr>
   </p:defaultTextStyle>
+  <p:extLst>
+    <p:ext uri="{EFAFB233-063F-42B5-8137-9DF3F51BA10A}">
+      <p15:sldGuideLst xmlns:p15="http://schemas.microsoft.com/office/powerpoint/2012/main"/>
+    </p:ext>
+  </p:extLst>
 </p:presentation>
 </file>
 
@@ -254,7 +259,7 @@
           <a:p>
             <a:fld id="{0FCAAA17-9A98-44A7-A40B-93A668ADE87E}" type="datetimeFigureOut">
               <a:rPr lang="en-US" smtClean="0"/>
-              <a:t>11/8/2020</a:t>
+              <a:t>11/11/2020</a:t>
             </a:fld>
             <a:endParaRPr lang="en-US"/>
           </a:p>
@@ -452,7 +457,7 @@
           <a:p>
             <a:fld id="{0FCAAA17-9A98-44A7-A40B-93A668ADE87E}" type="datetimeFigureOut">
               <a:rPr lang="en-US" smtClean="0"/>
-              <a:t>11/8/2020</a:t>
+              <a:t>11/11/2020</a:t>
             </a:fld>
             <a:endParaRPr lang="en-US"/>
           </a:p>
@@ -660,7 +665,7 @@
           <a:p>
             <a:fld id="{0FCAAA17-9A98-44A7-A40B-93A668ADE87E}" type="datetimeFigureOut">
               <a:rPr lang="en-US" smtClean="0"/>
-              <a:t>11/8/2020</a:t>
+              <a:t>11/11/2020</a:t>
             </a:fld>
             <a:endParaRPr lang="en-US"/>
           </a:p>
@@ -858,7 +863,7 @@
           <a:p>
             <a:fld id="{0FCAAA17-9A98-44A7-A40B-93A668ADE87E}" type="datetimeFigureOut">
               <a:rPr lang="en-US" smtClean="0"/>
-              <a:t>11/8/2020</a:t>
+              <a:t>11/11/2020</a:t>
             </a:fld>
             <a:endParaRPr lang="en-US"/>
           </a:p>
@@ -1133,7 +1138,7 @@
           <a:p>
             <a:fld id="{0FCAAA17-9A98-44A7-A40B-93A668ADE87E}" type="datetimeFigureOut">
               <a:rPr lang="en-US" smtClean="0"/>
-              <a:t>11/8/2020</a:t>
+              <a:t>11/11/2020</a:t>
             </a:fld>
             <a:endParaRPr lang="en-US"/>
           </a:p>
@@ -1398,7 +1403,7 @@
           <a:p>
             <a:fld id="{0FCAAA17-9A98-44A7-A40B-93A668ADE87E}" type="datetimeFigureOut">
               <a:rPr lang="en-US" smtClean="0"/>
-              <a:t>11/8/2020</a:t>
+              <a:t>11/11/2020</a:t>
             </a:fld>
             <a:endParaRPr lang="en-US"/>
           </a:p>
@@ -1810,7 +1815,7 @@
           <a:p>
             <a:fld id="{0FCAAA17-9A98-44A7-A40B-93A668ADE87E}" type="datetimeFigureOut">
               <a:rPr lang="en-US" smtClean="0"/>
-              <a:t>11/8/2020</a:t>
+              <a:t>11/11/2020</a:t>
             </a:fld>
             <a:endParaRPr lang="en-US"/>
           </a:p>
@@ -1951,7 +1956,7 @@
           <a:p>
             <a:fld id="{0FCAAA17-9A98-44A7-A40B-93A668ADE87E}" type="datetimeFigureOut">
               <a:rPr lang="en-US" smtClean="0"/>
-              <a:t>11/8/2020</a:t>
+              <a:t>11/11/2020</a:t>
             </a:fld>
             <a:endParaRPr lang="en-US"/>
           </a:p>
@@ -2064,7 +2069,7 @@
           <a:p>
             <a:fld id="{0FCAAA17-9A98-44A7-A40B-93A668ADE87E}" type="datetimeFigureOut">
               <a:rPr lang="en-US" smtClean="0"/>
-              <a:t>11/8/2020</a:t>
+              <a:t>11/11/2020</a:t>
             </a:fld>
             <a:endParaRPr lang="en-US"/>
           </a:p>
@@ -2375,7 +2380,7 @@
           <a:p>
             <a:fld id="{0FCAAA17-9A98-44A7-A40B-93A668ADE87E}" type="datetimeFigureOut">
               <a:rPr lang="en-US" smtClean="0"/>
-              <a:t>11/8/2020</a:t>
+              <a:t>11/11/2020</a:t>
             </a:fld>
             <a:endParaRPr lang="en-US"/>
           </a:p>
@@ -2663,7 +2668,7 @@
           <a:p>
             <a:fld id="{0FCAAA17-9A98-44A7-A40B-93A668ADE87E}" type="datetimeFigureOut">
               <a:rPr lang="en-US" smtClean="0"/>
-              <a:t>11/8/2020</a:t>
+              <a:t>11/11/2020</a:t>
             </a:fld>
             <a:endParaRPr lang="en-US"/>
           </a:p>
@@ -2904,7 +2909,7 @@
           <a:p>
             <a:fld id="{0FCAAA17-9A98-44A7-A40B-93A668ADE87E}" type="datetimeFigureOut">
               <a:rPr lang="en-US" smtClean="0"/>
-              <a:t>11/8/2020</a:t>
+              <a:t>11/11/2020</a:t>
             </a:fld>
             <a:endParaRPr lang="en-US"/>
           </a:p>
@@ -3443,936 +3448,6 @@
           </a:p>
         </p:txBody>
       </p:sp>
-      <p:sp>
-        <p:nvSpPr>
-          <p:cNvPr id="8" name="Rectangle: Rounded Corners 7">
-            <a:extLst>
-              <a:ext uri="{FF2B5EF4-FFF2-40B4-BE49-F238E27FC236}">
-                <a16:creationId xmlns:a16="http://schemas.microsoft.com/office/drawing/2014/main" id="{AA34CE58-0A2E-488C-97EE-78F805E29E35}"/>
-              </a:ext>
-            </a:extLst>
-          </p:cNvPr>
-          <p:cNvSpPr/>
-          <p:nvPr/>
-        </p:nvSpPr>
-        <p:spPr>
-          <a:xfrm>
-            <a:off x="170156" y="887767"/>
-            <a:ext cx="11851688" cy="5841506"/>
-          </a:xfrm>
-          <a:prstGeom prst="roundRect">
-            <a:avLst>
-              <a:gd name="adj" fmla="val 2021"/>
-            </a:avLst>
-          </a:prstGeom>
-          <a:solidFill>
-            <a:srgbClr val="FFFFFF">
-              <a:alpha val="92157"/>
-            </a:srgbClr>
-          </a:solidFill>
-          <a:ln w="76200">
-            <a:solidFill>
-              <a:srgbClr val="000000">
-                <a:alpha val="9804"/>
-              </a:srgbClr>
-            </a:solidFill>
-            <a:extLst>
-              <a:ext uri="{C807C97D-BFC1-408E-A445-0C87EB9F89A2}">
-                <ask:lineSketchStyleProps xmlns:ask="http://schemas.microsoft.com/office/drawing/2018/sketchyshapes" sd="1981935569">
-                  <a:custGeom>
-                    <a:avLst/>
-                    <a:gdLst>
-                      <a:gd name="connsiteX0" fmla="*/ 0 w 9783191"/>
-                      <a:gd name="connsiteY0" fmla="*/ 0 h 5637321"/>
-                      <a:gd name="connsiteX1" fmla="*/ 281986 w 9783191"/>
-                      <a:gd name="connsiteY1" fmla="*/ 0 h 5637321"/>
-                      <a:gd name="connsiteX2" fmla="*/ 661804 w 9783191"/>
-                      <a:gd name="connsiteY2" fmla="*/ 0 h 5637321"/>
-                      <a:gd name="connsiteX3" fmla="*/ 1237286 w 9783191"/>
-                      <a:gd name="connsiteY3" fmla="*/ 0 h 5637321"/>
-                      <a:gd name="connsiteX4" fmla="*/ 1519272 w 9783191"/>
-                      <a:gd name="connsiteY4" fmla="*/ 0 h 5637321"/>
-                      <a:gd name="connsiteX5" fmla="*/ 2290418 w 9783191"/>
-                      <a:gd name="connsiteY5" fmla="*/ 0 h 5637321"/>
-                      <a:gd name="connsiteX6" fmla="*/ 2963731 w 9783191"/>
-                      <a:gd name="connsiteY6" fmla="*/ 0 h 5637321"/>
-                      <a:gd name="connsiteX7" fmla="*/ 3441381 w 9783191"/>
-                      <a:gd name="connsiteY7" fmla="*/ 0 h 5637321"/>
-                      <a:gd name="connsiteX8" fmla="*/ 4212527 w 9783191"/>
-                      <a:gd name="connsiteY8" fmla="*/ 0 h 5637321"/>
-                      <a:gd name="connsiteX9" fmla="*/ 4592345 w 9783191"/>
-                      <a:gd name="connsiteY9" fmla="*/ 0 h 5637321"/>
-                      <a:gd name="connsiteX10" fmla="*/ 5265659 w 9783191"/>
-                      <a:gd name="connsiteY10" fmla="*/ 0 h 5637321"/>
-                      <a:gd name="connsiteX11" fmla="*/ 5938972 w 9783191"/>
-                      <a:gd name="connsiteY11" fmla="*/ 0 h 5637321"/>
-                      <a:gd name="connsiteX12" fmla="*/ 6710118 w 9783191"/>
-                      <a:gd name="connsiteY12" fmla="*/ 0 h 5637321"/>
-                      <a:gd name="connsiteX13" fmla="*/ 7187768 w 9783191"/>
-                      <a:gd name="connsiteY13" fmla="*/ 0 h 5637321"/>
-                      <a:gd name="connsiteX14" fmla="*/ 7665418 w 9783191"/>
-                      <a:gd name="connsiteY14" fmla="*/ 0 h 5637321"/>
-                      <a:gd name="connsiteX15" fmla="*/ 8338732 w 9783191"/>
-                      <a:gd name="connsiteY15" fmla="*/ 0 h 5637321"/>
-                      <a:gd name="connsiteX16" fmla="*/ 9012045 w 9783191"/>
-                      <a:gd name="connsiteY16" fmla="*/ 0 h 5637321"/>
-                      <a:gd name="connsiteX17" fmla="*/ 9783191 w 9783191"/>
-                      <a:gd name="connsiteY17" fmla="*/ 0 h 5637321"/>
-                      <a:gd name="connsiteX18" fmla="*/ 9783191 w 9783191"/>
-                      <a:gd name="connsiteY18" fmla="*/ 450986 h 5637321"/>
-                      <a:gd name="connsiteX19" fmla="*/ 9783191 w 9783191"/>
-                      <a:gd name="connsiteY19" fmla="*/ 1071091 h 5637321"/>
-                      <a:gd name="connsiteX20" fmla="*/ 9783191 w 9783191"/>
-                      <a:gd name="connsiteY20" fmla="*/ 1522077 h 5637321"/>
-                      <a:gd name="connsiteX21" fmla="*/ 9783191 w 9783191"/>
-                      <a:gd name="connsiteY21" fmla="*/ 1973062 h 5637321"/>
-                      <a:gd name="connsiteX22" fmla="*/ 9783191 w 9783191"/>
-                      <a:gd name="connsiteY22" fmla="*/ 2424048 h 5637321"/>
-                      <a:gd name="connsiteX23" fmla="*/ 9783191 w 9783191"/>
-                      <a:gd name="connsiteY23" fmla="*/ 2931407 h 5637321"/>
-                      <a:gd name="connsiteX24" fmla="*/ 9783191 w 9783191"/>
-                      <a:gd name="connsiteY24" fmla="*/ 3382393 h 5637321"/>
-                      <a:gd name="connsiteX25" fmla="*/ 9783191 w 9783191"/>
-                      <a:gd name="connsiteY25" fmla="*/ 3833378 h 5637321"/>
-                      <a:gd name="connsiteX26" fmla="*/ 9783191 w 9783191"/>
-                      <a:gd name="connsiteY26" fmla="*/ 4397110 h 5637321"/>
-                      <a:gd name="connsiteX27" fmla="*/ 9783191 w 9783191"/>
-                      <a:gd name="connsiteY27" fmla="*/ 4791723 h 5637321"/>
-                      <a:gd name="connsiteX28" fmla="*/ 9783191 w 9783191"/>
-                      <a:gd name="connsiteY28" fmla="*/ 5637321 h 5637321"/>
-                      <a:gd name="connsiteX29" fmla="*/ 9305541 w 9783191"/>
-                      <a:gd name="connsiteY29" fmla="*/ 5637321 h 5637321"/>
-                      <a:gd name="connsiteX30" fmla="*/ 8827891 w 9783191"/>
-                      <a:gd name="connsiteY30" fmla="*/ 5637321 h 5637321"/>
-                      <a:gd name="connsiteX31" fmla="*/ 8252409 w 9783191"/>
-                      <a:gd name="connsiteY31" fmla="*/ 5637321 h 5637321"/>
-                      <a:gd name="connsiteX32" fmla="*/ 7872591 w 9783191"/>
-                      <a:gd name="connsiteY32" fmla="*/ 5637321 h 5637321"/>
-                      <a:gd name="connsiteX33" fmla="*/ 7297110 w 9783191"/>
-                      <a:gd name="connsiteY33" fmla="*/ 5637321 h 5637321"/>
-                      <a:gd name="connsiteX34" fmla="*/ 6819460 w 9783191"/>
-                      <a:gd name="connsiteY34" fmla="*/ 5637321 h 5637321"/>
-                      <a:gd name="connsiteX35" fmla="*/ 6048314 w 9783191"/>
-                      <a:gd name="connsiteY35" fmla="*/ 5637321 h 5637321"/>
-                      <a:gd name="connsiteX36" fmla="*/ 5668496 w 9783191"/>
-                      <a:gd name="connsiteY36" fmla="*/ 5637321 h 5637321"/>
-                      <a:gd name="connsiteX37" fmla="*/ 4995182 w 9783191"/>
-                      <a:gd name="connsiteY37" fmla="*/ 5637321 h 5637321"/>
-                      <a:gd name="connsiteX38" fmla="*/ 4615364 w 9783191"/>
-                      <a:gd name="connsiteY38" fmla="*/ 5637321 h 5637321"/>
-                      <a:gd name="connsiteX39" fmla="*/ 3844219 w 9783191"/>
-                      <a:gd name="connsiteY39" fmla="*/ 5637321 h 5637321"/>
-                      <a:gd name="connsiteX40" fmla="*/ 3366569 w 9783191"/>
-                      <a:gd name="connsiteY40" fmla="*/ 5637321 h 5637321"/>
-                      <a:gd name="connsiteX41" fmla="*/ 2595423 w 9783191"/>
-                      <a:gd name="connsiteY41" fmla="*/ 5637321 h 5637321"/>
-                      <a:gd name="connsiteX42" fmla="*/ 2215605 w 9783191"/>
-                      <a:gd name="connsiteY42" fmla="*/ 5637321 h 5637321"/>
-                      <a:gd name="connsiteX43" fmla="*/ 1444459 w 9783191"/>
-                      <a:gd name="connsiteY43" fmla="*/ 5637321 h 5637321"/>
-                      <a:gd name="connsiteX44" fmla="*/ 966809 w 9783191"/>
-                      <a:gd name="connsiteY44" fmla="*/ 5637321 h 5637321"/>
-                      <a:gd name="connsiteX45" fmla="*/ 0 w 9783191"/>
-                      <a:gd name="connsiteY45" fmla="*/ 5637321 h 5637321"/>
-                      <a:gd name="connsiteX46" fmla="*/ 0 w 9783191"/>
-                      <a:gd name="connsiteY46" fmla="*/ 4960842 h 5637321"/>
-                      <a:gd name="connsiteX47" fmla="*/ 0 w 9783191"/>
-                      <a:gd name="connsiteY47" fmla="*/ 4566230 h 5637321"/>
-                      <a:gd name="connsiteX48" fmla="*/ 0 w 9783191"/>
-                      <a:gd name="connsiteY48" fmla="*/ 4002498 h 5637321"/>
-                      <a:gd name="connsiteX49" fmla="*/ 0 w 9783191"/>
-                      <a:gd name="connsiteY49" fmla="*/ 3382393 h 5637321"/>
-                      <a:gd name="connsiteX50" fmla="*/ 0 w 9783191"/>
-                      <a:gd name="connsiteY50" fmla="*/ 2762287 h 5637321"/>
-                      <a:gd name="connsiteX51" fmla="*/ 0 w 9783191"/>
-                      <a:gd name="connsiteY51" fmla="*/ 2254928 h 5637321"/>
-                      <a:gd name="connsiteX52" fmla="*/ 0 w 9783191"/>
-                      <a:gd name="connsiteY52" fmla="*/ 1860316 h 5637321"/>
-                      <a:gd name="connsiteX53" fmla="*/ 0 w 9783191"/>
-                      <a:gd name="connsiteY53" fmla="*/ 1296584 h 5637321"/>
-                      <a:gd name="connsiteX54" fmla="*/ 0 w 9783191"/>
-                      <a:gd name="connsiteY54" fmla="*/ 789225 h 5637321"/>
-                      <a:gd name="connsiteX55" fmla="*/ 0 w 9783191"/>
-                      <a:gd name="connsiteY55" fmla="*/ 0 h 5637321"/>
-                    </a:gdLst>
-                    <a:ahLst/>
-                    <a:cxnLst>
-                      <a:cxn ang="0">
-                        <a:pos x="connsiteX0" y="connsiteY0"/>
-                      </a:cxn>
-                      <a:cxn ang="0">
-                        <a:pos x="connsiteX1" y="connsiteY1"/>
-                      </a:cxn>
-                      <a:cxn ang="0">
-                        <a:pos x="connsiteX2" y="connsiteY2"/>
-                      </a:cxn>
-                      <a:cxn ang="0">
-                        <a:pos x="connsiteX3" y="connsiteY3"/>
-                      </a:cxn>
-                      <a:cxn ang="0">
-                        <a:pos x="connsiteX4" y="connsiteY4"/>
-                      </a:cxn>
-                      <a:cxn ang="0">
-                        <a:pos x="connsiteX5" y="connsiteY5"/>
-                      </a:cxn>
-                      <a:cxn ang="0">
-                        <a:pos x="connsiteX6" y="connsiteY6"/>
-                      </a:cxn>
-                      <a:cxn ang="0">
-                        <a:pos x="connsiteX7" y="connsiteY7"/>
-                      </a:cxn>
-                      <a:cxn ang="0">
-                        <a:pos x="connsiteX8" y="connsiteY8"/>
-                      </a:cxn>
-                      <a:cxn ang="0">
-                        <a:pos x="connsiteX9" y="connsiteY9"/>
-                      </a:cxn>
-                      <a:cxn ang="0">
-                        <a:pos x="connsiteX10" y="connsiteY10"/>
-                      </a:cxn>
-                      <a:cxn ang="0">
-                        <a:pos x="connsiteX11" y="connsiteY11"/>
-                      </a:cxn>
-                      <a:cxn ang="0">
-                        <a:pos x="connsiteX12" y="connsiteY12"/>
-                      </a:cxn>
-                      <a:cxn ang="0">
-                        <a:pos x="connsiteX13" y="connsiteY13"/>
-                      </a:cxn>
-                      <a:cxn ang="0">
-                        <a:pos x="connsiteX14" y="connsiteY14"/>
-                      </a:cxn>
-                      <a:cxn ang="0">
-                        <a:pos x="connsiteX15" y="connsiteY15"/>
-                      </a:cxn>
-                      <a:cxn ang="0">
-                        <a:pos x="connsiteX16" y="connsiteY16"/>
-                      </a:cxn>
-                      <a:cxn ang="0">
-                        <a:pos x="connsiteX17" y="connsiteY17"/>
-                      </a:cxn>
-                      <a:cxn ang="0">
-                        <a:pos x="connsiteX18" y="connsiteY18"/>
-                      </a:cxn>
-                      <a:cxn ang="0">
-                        <a:pos x="connsiteX19" y="connsiteY19"/>
-                      </a:cxn>
-                      <a:cxn ang="0">
-                        <a:pos x="connsiteX20" y="connsiteY20"/>
-                      </a:cxn>
-                      <a:cxn ang="0">
-                        <a:pos x="connsiteX21" y="connsiteY21"/>
-                      </a:cxn>
-                      <a:cxn ang="0">
-                        <a:pos x="connsiteX22" y="connsiteY22"/>
-                      </a:cxn>
-                      <a:cxn ang="0">
-                        <a:pos x="connsiteX23" y="connsiteY23"/>
-                      </a:cxn>
-                      <a:cxn ang="0">
-                        <a:pos x="connsiteX24" y="connsiteY24"/>
-                      </a:cxn>
-                      <a:cxn ang="0">
-                        <a:pos x="connsiteX25" y="connsiteY25"/>
-                      </a:cxn>
-                      <a:cxn ang="0">
-                        <a:pos x="connsiteX26" y="connsiteY26"/>
-                      </a:cxn>
-                      <a:cxn ang="0">
-                        <a:pos x="connsiteX27" y="connsiteY27"/>
-                      </a:cxn>
-                      <a:cxn ang="0">
-                        <a:pos x="connsiteX28" y="connsiteY28"/>
-                      </a:cxn>
-                      <a:cxn ang="0">
-                        <a:pos x="connsiteX29" y="connsiteY29"/>
-                      </a:cxn>
-                      <a:cxn ang="0">
-                        <a:pos x="connsiteX30" y="connsiteY30"/>
-                      </a:cxn>
-                      <a:cxn ang="0">
-                        <a:pos x="connsiteX31" y="connsiteY31"/>
-                      </a:cxn>
-                      <a:cxn ang="0">
-                        <a:pos x="connsiteX32" y="connsiteY32"/>
-                      </a:cxn>
-                      <a:cxn ang="0">
-                        <a:pos x="connsiteX33" y="connsiteY33"/>
-                      </a:cxn>
-                      <a:cxn ang="0">
-                        <a:pos x="connsiteX34" y="connsiteY34"/>
-                      </a:cxn>
-                      <a:cxn ang="0">
-                        <a:pos x="connsiteX35" y="connsiteY35"/>
-                      </a:cxn>
-                      <a:cxn ang="0">
-                        <a:pos x="connsiteX36" y="connsiteY36"/>
-                      </a:cxn>
-                      <a:cxn ang="0">
-                        <a:pos x="connsiteX37" y="connsiteY37"/>
-                      </a:cxn>
-                      <a:cxn ang="0">
-                        <a:pos x="connsiteX38" y="connsiteY38"/>
-                      </a:cxn>
-                      <a:cxn ang="0">
-                        <a:pos x="connsiteX39" y="connsiteY39"/>
-                      </a:cxn>
-                      <a:cxn ang="0">
-                        <a:pos x="connsiteX40" y="connsiteY40"/>
-                      </a:cxn>
-                      <a:cxn ang="0">
-                        <a:pos x="connsiteX41" y="connsiteY41"/>
-                      </a:cxn>
-                      <a:cxn ang="0">
-                        <a:pos x="connsiteX42" y="connsiteY42"/>
-                      </a:cxn>
-                      <a:cxn ang="0">
-                        <a:pos x="connsiteX43" y="connsiteY43"/>
-                      </a:cxn>
-                      <a:cxn ang="0">
-                        <a:pos x="connsiteX44" y="connsiteY44"/>
-                      </a:cxn>
-                      <a:cxn ang="0">
-                        <a:pos x="connsiteX45" y="connsiteY45"/>
-                      </a:cxn>
-                      <a:cxn ang="0">
-                        <a:pos x="connsiteX46" y="connsiteY46"/>
-                      </a:cxn>
-                      <a:cxn ang="0">
-                        <a:pos x="connsiteX47" y="connsiteY47"/>
-                      </a:cxn>
-                      <a:cxn ang="0">
-                        <a:pos x="connsiteX48" y="connsiteY48"/>
-                      </a:cxn>
-                      <a:cxn ang="0">
-                        <a:pos x="connsiteX49" y="connsiteY49"/>
-                      </a:cxn>
-                      <a:cxn ang="0">
-                        <a:pos x="connsiteX50" y="connsiteY50"/>
-                      </a:cxn>
-                      <a:cxn ang="0">
-                        <a:pos x="connsiteX51" y="connsiteY51"/>
-                      </a:cxn>
-                      <a:cxn ang="0">
-                        <a:pos x="connsiteX52" y="connsiteY52"/>
-                      </a:cxn>
-                      <a:cxn ang="0">
-                        <a:pos x="connsiteX53" y="connsiteY53"/>
-                      </a:cxn>
-                      <a:cxn ang="0">
-                        <a:pos x="connsiteX54" y="connsiteY54"/>
-                      </a:cxn>
-                      <a:cxn ang="0">
-                        <a:pos x="connsiteX55" y="connsiteY55"/>
-                      </a:cxn>
-                    </a:cxnLst>
-                    <a:rect l="l" t="t" r="r" b="b"/>
-                    <a:pathLst>
-                      <a:path w="9783191" h="5637321" fill="none" extrusionOk="0">
-                        <a:moveTo>
-                          <a:pt x="0" y="0"/>
-                        </a:moveTo>
-                        <a:cubicBezTo>
-                          <a:pt x="128910" y="-3314"/>
-                          <a:pt x="209792" y="5712"/>
-                          <a:pt x="281986" y="0"/>
-                        </a:cubicBezTo>
-                        <a:cubicBezTo>
-                          <a:pt x="354180" y="-5712"/>
-                          <a:pt x="505505" y="26228"/>
-                          <a:pt x="661804" y="0"/>
-                        </a:cubicBezTo>
-                        <a:cubicBezTo>
-                          <a:pt x="818103" y="-26228"/>
-                          <a:pt x="972816" y="55137"/>
-                          <a:pt x="1237286" y="0"/>
-                        </a:cubicBezTo>
-                        <a:cubicBezTo>
-                          <a:pt x="1501756" y="-55137"/>
-                          <a:pt x="1429603" y="439"/>
-                          <a:pt x="1519272" y="0"/>
-                        </a:cubicBezTo>
-                        <a:cubicBezTo>
-                          <a:pt x="1608941" y="-439"/>
-                          <a:pt x="1976351" y="9692"/>
-                          <a:pt x="2290418" y="0"/>
-                        </a:cubicBezTo>
-                        <a:cubicBezTo>
-                          <a:pt x="2604485" y="-9692"/>
-                          <a:pt x="2692438" y="41787"/>
-                          <a:pt x="2963731" y="0"/>
-                        </a:cubicBezTo>
-                        <a:cubicBezTo>
-                          <a:pt x="3235024" y="-41787"/>
-                          <a:pt x="3270335" y="34562"/>
-                          <a:pt x="3441381" y="0"/>
-                        </a:cubicBezTo>
-                        <a:cubicBezTo>
-                          <a:pt x="3612427" y="-34562"/>
-                          <a:pt x="3875920" y="41609"/>
-                          <a:pt x="4212527" y="0"/>
-                        </a:cubicBezTo>
-                        <a:cubicBezTo>
-                          <a:pt x="4549134" y="-41609"/>
-                          <a:pt x="4437360" y="15721"/>
-                          <a:pt x="4592345" y="0"/>
-                        </a:cubicBezTo>
-                        <a:cubicBezTo>
-                          <a:pt x="4747330" y="-15721"/>
-                          <a:pt x="5078738" y="33057"/>
-                          <a:pt x="5265659" y="0"/>
-                        </a:cubicBezTo>
-                        <a:cubicBezTo>
-                          <a:pt x="5452580" y="-33057"/>
-                          <a:pt x="5794575" y="61717"/>
-                          <a:pt x="5938972" y="0"/>
-                        </a:cubicBezTo>
-                        <a:cubicBezTo>
-                          <a:pt x="6083369" y="-61717"/>
-                          <a:pt x="6339174" y="93"/>
-                          <a:pt x="6710118" y="0"/>
-                        </a:cubicBezTo>
-                        <a:cubicBezTo>
-                          <a:pt x="7081062" y="-93"/>
-                          <a:pt x="7045332" y="38378"/>
-                          <a:pt x="7187768" y="0"/>
-                        </a:cubicBezTo>
-                        <a:cubicBezTo>
-                          <a:pt x="7330204" y="-38378"/>
-                          <a:pt x="7568381" y="10454"/>
-                          <a:pt x="7665418" y="0"/>
-                        </a:cubicBezTo>
-                        <a:cubicBezTo>
-                          <a:pt x="7762455" y="-10454"/>
-                          <a:pt x="8158439" y="25921"/>
-                          <a:pt x="8338732" y="0"/>
-                        </a:cubicBezTo>
-                        <a:cubicBezTo>
-                          <a:pt x="8519025" y="-25921"/>
-                          <a:pt x="8760525" y="26262"/>
-                          <a:pt x="9012045" y="0"/>
-                        </a:cubicBezTo>
-                        <a:cubicBezTo>
-                          <a:pt x="9263565" y="-26262"/>
-                          <a:pt x="9615080" y="65809"/>
-                          <a:pt x="9783191" y="0"/>
-                        </a:cubicBezTo>
-                        <a:cubicBezTo>
-                          <a:pt x="9834481" y="159515"/>
-                          <a:pt x="9773521" y="353856"/>
-                          <a:pt x="9783191" y="450986"/>
-                        </a:cubicBezTo>
-                        <a:cubicBezTo>
-                          <a:pt x="9792861" y="548116"/>
-                          <a:pt x="9718804" y="846160"/>
-                          <a:pt x="9783191" y="1071091"/>
-                        </a:cubicBezTo>
-                        <a:cubicBezTo>
-                          <a:pt x="9847578" y="1296023"/>
-                          <a:pt x="9767892" y="1359555"/>
-                          <a:pt x="9783191" y="1522077"/>
-                        </a:cubicBezTo>
-                        <a:cubicBezTo>
-                          <a:pt x="9798490" y="1684599"/>
-                          <a:pt x="9734324" y="1855196"/>
-                          <a:pt x="9783191" y="1973062"/>
-                        </a:cubicBezTo>
-                        <a:cubicBezTo>
-                          <a:pt x="9832058" y="2090928"/>
-                          <a:pt x="9772846" y="2329568"/>
-                          <a:pt x="9783191" y="2424048"/>
-                        </a:cubicBezTo>
-                        <a:cubicBezTo>
-                          <a:pt x="9793536" y="2518528"/>
-                          <a:pt x="9763953" y="2722264"/>
-                          <a:pt x="9783191" y="2931407"/>
-                        </a:cubicBezTo>
-                        <a:cubicBezTo>
-                          <a:pt x="9802429" y="3140550"/>
-                          <a:pt x="9773834" y="3173856"/>
-                          <a:pt x="9783191" y="3382393"/>
-                        </a:cubicBezTo>
-                        <a:cubicBezTo>
-                          <a:pt x="9792548" y="3590930"/>
-                          <a:pt x="9780422" y="3704847"/>
-                          <a:pt x="9783191" y="3833378"/>
-                        </a:cubicBezTo>
-                        <a:cubicBezTo>
-                          <a:pt x="9785960" y="3961909"/>
-                          <a:pt x="9754449" y="4117642"/>
-                          <a:pt x="9783191" y="4397110"/>
-                        </a:cubicBezTo>
-                        <a:cubicBezTo>
-                          <a:pt x="9811933" y="4676578"/>
-                          <a:pt x="9763531" y="4659890"/>
-                          <a:pt x="9783191" y="4791723"/>
-                        </a:cubicBezTo>
-                        <a:cubicBezTo>
-                          <a:pt x="9802851" y="4923556"/>
-                          <a:pt x="9730081" y="5363793"/>
-                          <a:pt x="9783191" y="5637321"/>
-                        </a:cubicBezTo>
-                        <a:cubicBezTo>
-                          <a:pt x="9627988" y="5694631"/>
-                          <a:pt x="9530610" y="5600867"/>
-                          <a:pt x="9305541" y="5637321"/>
-                        </a:cubicBezTo>
-                        <a:cubicBezTo>
-                          <a:pt x="9080472" y="5673775"/>
-                          <a:pt x="8938383" y="5589751"/>
-                          <a:pt x="8827891" y="5637321"/>
-                        </a:cubicBezTo>
-                        <a:cubicBezTo>
-                          <a:pt x="8717399" y="5684891"/>
-                          <a:pt x="8437705" y="5629818"/>
-                          <a:pt x="8252409" y="5637321"/>
-                        </a:cubicBezTo>
-                        <a:cubicBezTo>
-                          <a:pt x="8067113" y="5644824"/>
-                          <a:pt x="8062059" y="5592568"/>
-                          <a:pt x="7872591" y="5637321"/>
-                        </a:cubicBezTo>
-                        <a:cubicBezTo>
-                          <a:pt x="7683123" y="5682074"/>
-                          <a:pt x="7438902" y="5589755"/>
-                          <a:pt x="7297110" y="5637321"/>
-                        </a:cubicBezTo>
-                        <a:cubicBezTo>
-                          <a:pt x="7155318" y="5684887"/>
-                          <a:pt x="7015776" y="5597703"/>
-                          <a:pt x="6819460" y="5637321"/>
-                        </a:cubicBezTo>
-                        <a:cubicBezTo>
-                          <a:pt x="6623144" y="5676939"/>
-                          <a:pt x="6214030" y="5586464"/>
-                          <a:pt x="6048314" y="5637321"/>
-                        </a:cubicBezTo>
-                        <a:cubicBezTo>
-                          <a:pt x="5882598" y="5688178"/>
-                          <a:pt x="5830269" y="5596504"/>
-                          <a:pt x="5668496" y="5637321"/>
-                        </a:cubicBezTo>
-                        <a:cubicBezTo>
-                          <a:pt x="5506723" y="5678138"/>
-                          <a:pt x="5212986" y="5634410"/>
-                          <a:pt x="4995182" y="5637321"/>
-                        </a:cubicBezTo>
-                        <a:cubicBezTo>
-                          <a:pt x="4777378" y="5640232"/>
-                          <a:pt x="4793996" y="5605021"/>
-                          <a:pt x="4615364" y="5637321"/>
-                        </a:cubicBezTo>
-                        <a:cubicBezTo>
-                          <a:pt x="4436732" y="5669621"/>
-                          <a:pt x="4067695" y="5563010"/>
-                          <a:pt x="3844219" y="5637321"/>
-                        </a:cubicBezTo>
-                        <a:cubicBezTo>
-                          <a:pt x="3620744" y="5711632"/>
-                          <a:pt x="3492849" y="5636581"/>
-                          <a:pt x="3366569" y="5637321"/>
-                        </a:cubicBezTo>
-                        <a:cubicBezTo>
-                          <a:pt x="3240289" y="5638061"/>
-                          <a:pt x="2854622" y="5545292"/>
-                          <a:pt x="2595423" y="5637321"/>
-                        </a:cubicBezTo>
-                        <a:cubicBezTo>
-                          <a:pt x="2336224" y="5729350"/>
-                          <a:pt x="2307495" y="5601987"/>
-                          <a:pt x="2215605" y="5637321"/>
-                        </a:cubicBezTo>
-                        <a:cubicBezTo>
-                          <a:pt x="2123715" y="5672655"/>
-                          <a:pt x="1721305" y="5634702"/>
-                          <a:pt x="1444459" y="5637321"/>
-                        </a:cubicBezTo>
-                        <a:cubicBezTo>
-                          <a:pt x="1167613" y="5639940"/>
-                          <a:pt x="1122043" y="5590499"/>
-                          <a:pt x="966809" y="5637321"/>
-                        </a:cubicBezTo>
-                        <a:cubicBezTo>
-                          <a:pt x="811575" y="5684143"/>
-                          <a:pt x="437226" y="5554235"/>
-                          <a:pt x="0" y="5637321"/>
-                        </a:cubicBezTo>
-                        <a:cubicBezTo>
-                          <a:pt x="-54539" y="5440568"/>
-                          <a:pt x="52795" y="5110720"/>
-                          <a:pt x="0" y="4960842"/>
-                        </a:cubicBezTo>
-                        <a:cubicBezTo>
-                          <a:pt x="-52795" y="4810964"/>
-                          <a:pt x="25800" y="4696386"/>
-                          <a:pt x="0" y="4566230"/>
-                        </a:cubicBezTo>
-                        <a:cubicBezTo>
-                          <a:pt x="-25800" y="4436074"/>
-                          <a:pt x="52095" y="4138150"/>
-                          <a:pt x="0" y="4002498"/>
-                        </a:cubicBezTo>
-                        <a:cubicBezTo>
-                          <a:pt x="-52095" y="3866846"/>
-                          <a:pt x="31132" y="3591625"/>
-                          <a:pt x="0" y="3382393"/>
-                        </a:cubicBezTo>
-                        <a:cubicBezTo>
-                          <a:pt x="-31132" y="3173161"/>
-                          <a:pt x="3297" y="2965015"/>
-                          <a:pt x="0" y="2762287"/>
-                        </a:cubicBezTo>
-                        <a:cubicBezTo>
-                          <a:pt x="-3297" y="2559559"/>
-                          <a:pt x="30765" y="2463934"/>
-                          <a:pt x="0" y="2254928"/>
-                        </a:cubicBezTo>
-                        <a:cubicBezTo>
-                          <a:pt x="-30765" y="2045922"/>
-                          <a:pt x="5823" y="2005518"/>
-                          <a:pt x="0" y="1860316"/>
-                        </a:cubicBezTo>
-                        <a:cubicBezTo>
-                          <a:pt x="-5823" y="1715114"/>
-                          <a:pt x="7400" y="1526294"/>
-                          <a:pt x="0" y="1296584"/>
-                        </a:cubicBezTo>
-                        <a:cubicBezTo>
-                          <a:pt x="-7400" y="1066874"/>
-                          <a:pt x="7870" y="1025942"/>
-                          <a:pt x="0" y="789225"/>
-                        </a:cubicBezTo>
-                        <a:cubicBezTo>
-                          <a:pt x="-7870" y="552508"/>
-                          <a:pt x="25336" y="335220"/>
-                          <a:pt x="0" y="0"/>
-                        </a:cubicBezTo>
-                        <a:close/>
-                      </a:path>
-                      <a:path w="9783191" h="5637321" stroke="0" extrusionOk="0">
-                        <a:moveTo>
-                          <a:pt x="0" y="0"/>
-                        </a:moveTo>
-                        <a:cubicBezTo>
-                          <a:pt x="379715" y="-57274"/>
-                          <a:pt x="599390" y="74749"/>
-                          <a:pt x="771146" y="0"/>
-                        </a:cubicBezTo>
-                        <a:cubicBezTo>
-                          <a:pt x="942902" y="-74749"/>
-                          <a:pt x="1128438" y="45330"/>
-                          <a:pt x="1346627" y="0"/>
-                        </a:cubicBezTo>
-                        <a:cubicBezTo>
-                          <a:pt x="1564816" y="-45330"/>
-                          <a:pt x="1616672" y="7262"/>
-                          <a:pt x="1726445" y="0"/>
-                        </a:cubicBezTo>
-                        <a:cubicBezTo>
-                          <a:pt x="1836218" y="-7262"/>
-                          <a:pt x="1995809" y="1921"/>
-                          <a:pt x="2106263" y="0"/>
-                        </a:cubicBezTo>
-                        <a:cubicBezTo>
-                          <a:pt x="2216717" y="-1921"/>
-                          <a:pt x="2624311" y="22875"/>
-                          <a:pt x="2877409" y="0"/>
-                        </a:cubicBezTo>
-                        <a:cubicBezTo>
-                          <a:pt x="3130507" y="-22875"/>
-                          <a:pt x="3173353" y="18605"/>
-                          <a:pt x="3452891" y="0"/>
-                        </a:cubicBezTo>
-                        <a:cubicBezTo>
-                          <a:pt x="3732429" y="-18605"/>
-                          <a:pt x="3962837" y="321"/>
-                          <a:pt x="4126205" y="0"/>
-                        </a:cubicBezTo>
-                        <a:cubicBezTo>
-                          <a:pt x="4289573" y="-321"/>
-                          <a:pt x="4331902" y="2031"/>
-                          <a:pt x="4506023" y="0"/>
-                        </a:cubicBezTo>
-                        <a:cubicBezTo>
-                          <a:pt x="4680144" y="-2031"/>
-                          <a:pt x="4841155" y="18569"/>
-                          <a:pt x="5081505" y="0"/>
-                        </a:cubicBezTo>
-                        <a:cubicBezTo>
-                          <a:pt x="5321855" y="-18569"/>
-                          <a:pt x="5472478" y="54867"/>
-                          <a:pt x="5754818" y="0"/>
-                        </a:cubicBezTo>
-                        <a:cubicBezTo>
-                          <a:pt x="6037158" y="-54867"/>
-                          <a:pt x="6046976" y="36604"/>
-                          <a:pt x="6134636" y="0"/>
-                        </a:cubicBezTo>
-                        <a:cubicBezTo>
-                          <a:pt x="6222296" y="-36604"/>
-                          <a:pt x="6546373" y="63061"/>
-                          <a:pt x="6710118" y="0"/>
-                        </a:cubicBezTo>
-                        <a:cubicBezTo>
-                          <a:pt x="6873863" y="-63061"/>
-                          <a:pt x="7114115" y="16576"/>
-                          <a:pt x="7285600" y="0"/>
-                        </a:cubicBezTo>
-                        <a:cubicBezTo>
-                          <a:pt x="7457085" y="-16576"/>
-                          <a:pt x="7540848" y="9355"/>
-                          <a:pt x="7665418" y="0"/>
-                        </a:cubicBezTo>
-                        <a:cubicBezTo>
-                          <a:pt x="7789988" y="-9355"/>
-                          <a:pt x="8046750" y="67507"/>
-                          <a:pt x="8240900" y="0"/>
-                        </a:cubicBezTo>
-                        <a:cubicBezTo>
-                          <a:pt x="8435050" y="-67507"/>
-                          <a:pt x="8536399" y="42537"/>
-                          <a:pt x="8620718" y="0"/>
-                        </a:cubicBezTo>
-                        <a:cubicBezTo>
-                          <a:pt x="8705037" y="-42537"/>
-                          <a:pt x="9306576" y="135803"/>
-                          <a:pt x="9783191" y="0"/>
-                        </a:cubicBezTo>
-                        <a:cubicBezTo>
-                          <a:pt x="9829672" y="139881"/>
-                          <a:pt x="9712952" y="470630"/>
-                          <a:pt x="9783191" y="676479"/>
-                        </a:cubicBezTo>
-                        <a:cubicBezTo>
-                          <a:pt x="9853430" y="882328"/>
-                          <a:pt x="9764012" y="1182468"/>
-                          <a:pt x="9783191" y="1352957"/>
-                        </a:cubicBezTo>
-                        <a:cubicBezTo>
-                          <a:pt x="9802370" y="1523446"/>
-                          <a:pt x="9742931" y="1569503"/>
-                          <a:pt x="9783191" y="1747570"/>
-                        </a:cubicBezTo>
-                        <a:cubicBezTo>
-                          <a:pt x="9823451" y="1925637"/>
-                          <a:pt x="9749617" y="2148792"/>
-                          <a:pt x="9783191" y="2254928"/>
-                        </a:cubicBezTo>
-                        <a:cubicBezTo>
-                          <a:pt x="9816765" y="2361064"/>
-                          <a:pt x="9781193" y="2530759"/>
-                          <a:pt x="9783191" y="2762287"/>
-                        </a:cubicBezTo>
-                        <a:cubicBezTo>
-                          <a:pt x="9785189" y="2993815"/>
-                          <a:pt x="9759380" y="3174820"/>
-                          <a:pt x="9783191" y="3326019"/>
-                        </a:cubicBezTo>
-                        <a:cubicBezTo>
-                          <a:pt x="9807002" y="3477218"/>
-                          <a:pt x="9740655" y="3636054"/>
-                          <a:pt x="9783191" y="3777005"/>
-                        </a:cubicBezTo>
-                        <a:cubicBezTo>
-                          <a:pt x="9825727" y="3917956"/>
-                          <a:pt x="9738806" y="4277193"/>
-                          <a:pt x="9783191" y="4453484"/>
-                        </a:cubicBezTo>
-                        <a:cubicBezTo>
-                          <a:pt x="9827576" y="4629775"/>
-                          <a:pt x="9717938" y="4965492"/>
-                          <a:pt x="9783191" y="5129962"/>
-                        </a:cubicBezTo>
-                        <a:cubicBezTo>
-                          <a:pt x="9848444" y="5294432"/>
-                          <a:pt x="9730841" y="5464012"/>
-                          <a:pt x="9783191" y="5637321"/>
-                        </a:cubicBezTo>
-                        <a:cubicBezTo>
-                          <a:pt x="9620258" y="5639985"/>
-                          <a:pt x="9501148" y="5595371"/>
-                          <a:pt x="9403373" y="5637321"/>
-                        </a:cubicBezTo>
-                        <a:cubicBezTo>
-                          <a:pt x="9305598" y="5679271"/>
-                          <a:pt x="8959157" y="5624111"/>
-                          <a:pt x="8827891" y="5637321"/>
-                        </a:cubicBezTo>
-                        <a:cubicBezTo>
-                          <a:pt x="8696625" y="5650531"/>
-                          <a:pt x="8319827" y="5569373"/>
-                          <a:pt x="8056746" y="5637321"/>
-                        </a:cubicBezTo>
-                        <a:cubicBezTo>
-                          <a:pt x="7793666" y="5705269"/>
-                          <a:pt x="7765680" y="5622181"/>
-                          <a:pt x="7481264" y="5637321"/>
-                        </a:cubicBezTo>
-                        <a:cubicBezTo>
-                          <a:pt x="7196848" y="5652461"/>
-                          <a:pt x="7249043" y="5613096"/>
-                          <a:pt x="7101446" y="5637321"/>
-                        </a:cubicBezTo>
-                        <a:cubicBezTo>
-                          <a:pt x="6953849" y="5661546"/>
-                          <a:pt x="6738591" y="5597780"/>
-                          <a:pt x="6525964" y="5637321"/>
-                        </a:cubicBezTo>
-                        <a:cubicBezTo>
-                          <a:pt x="6313337" y="5676862"/>
-                          <a:pt x="6246655" y="5624165"/>
-                          <a:pt x="6048314" y="5637321"/>
-                        </a:cubicBezTo>
-                        <a:cubicBezTo>
-                          <a:pt x="5849973" y="5650477"/>
-                          <a:pt x="5889626" y="5637225"/>
-                          <a:pt x="5766328" y="5637321"/>
-                        </a:cubicBezTo>
-                        <a:cubicBezTo>
-                          <a:pt x="5643030" y="5637417"/>
-                          <a:pt x="5594374" y="5631789"/>
-                          <a:pt x="5484342" y="5637321"/>
-                        </a:cubicBezTo>
-                        <a:cubicBezTo>
-                          <a:pt x="5374310" y="5642853"/>
-                          <a:pt x="5334180" y="5619371"/>
-                          <a:pt x="5202356" y="5637321"/>
-                        </a:cubicBezTo>
-                        <a:cubicBezTo>
-                          <a:pt x="5070532" y="5655271"/>
-                          <a:pt x="4992165" y="5592281"/>
-                          <a:pt x="4822538" y="5637321"/>
-                        </a:cubicBezTo>
-                        <a:cubicBezTo>
-                          <a:pt x="4652911" y="5682361"/>
-                          <a:pt x="4372773" y="5619004"/>
-                          <a:pt x="4149224" y="5637321"/>
-                        </a:cubicBezTo>
-                        <a:cubicBezTo>
-                          <a:pt x="3925675" y="5655638"/>
-                          <a:pt x="3713183" y="5601076"/>
-                          <a:pt x="3573742" y="5637321"/>
-                        </a:cubicBezTo>
-                        <a:cubicBezTo>
-                          <a:pt x="3434301" y="5673566"/>
-                          <a:pt x="3323796" y="5632523"/>
-                          <a:pt x="3193924" y="5637321"/>
-                        </a:cubicBezTo>
-                        <a:cubicBezTo>
-                          <a:pt x="3064052" y="5642119"/>
-                          <a:pt x="2760580" y="5586532"/>
-                          <a:pt x="2618442" y="5637321"/>
-                        </a:cubicBezTo>
-                        <a:cubicBezTo>
-                          <a:pt x="2476304" y="5688110"/>
-                          <a:pt x="2222259" y="5609550"/>
-                          <a:pt x="2042960" y="5637321"/>
-                        </a:cubicBezTo>
-                        <a:cubicBezTo>
-                          <a:pt x="1863661" y="5665092"/>
-                          <a:pt x="1519616" y="5570384"/>
-                          <a:pt x="1271815" y="5637321"/>
-                        </a:cubicBezTo>
-                        <a:cubicBezTo>
-                          <a:pt x="1024015" y="5704258"/>
-                          <a:pt x="1064461" y="5621391"/>
-                          <a:pt x="989829" y="5637321"/>
-                        </a:cubicBezTo>
-                        <a:cubicBezTo>
-                          <a:pt x="915197" y="5653251"/>
-                          <a:pt x="377072" y="5621151"/>
-                          <a:pt x="0" y="5637321"/>
-                        </a:cubicBezTo>
-                        <a:cubicBezTo>
-                          <a:pt x="-20552" y="5495640"/>
-                          <a:pt x="5005" y="5244739"/>
-                          <a:pt x="0" y="5073589"/>
-                        </a:cubicBezTo>
-                        <a:cubicBezTo>
-                          <a:pt x="-5005" y="4902439"/>
-                          <a:pt x="2074" y="4843306"/>
-                          <a:pt x="0" y="4622603"/>
-                        </a:cubicBezTo>
-                        <a:cubicBezTo>
-                          <a:pt x="-2074" y="4401900"/>
-                          <a:pt x="42758" y="4296648"/>
-                          <a:pt x="0" y="4058871"/>
-                        </a:cubicBezTo>
-                        <a:cubicBezTo>
-                          <a:pt x="-42758" y="3821094"/>
-                          <a:pt x="56580" y="3770014"/>
-                          <a:pt x="0" y="3551512"/>
-                        </a:cubicBezTo>
-                        <a:cubicBezTo>
-                          <a:pt x="-56580" y="3333010"/>
-                          <a:pt x="35020" y="3251204"/>
-                          <a:pt x="0" y="3156900"/>
-                        </a:cubicBezTo>
-                        <a:cubicBezTo>
-                          <a:pt x="-35020" y="3062596"/>
-                          <a:pt x="71476" y="2650805"/>
-                          <a:pt x="0" y="2480421"/>
-                        </a:cubicBezTo>
-                        <a:cubicBezTo>
-                          <a:pt x="-71476" y="2310037"/>
-                          <a:pt x="1056" y="2116879"/>
-                          <a:pt x="0" y="1973062"/>
-                        </a:cubicBezTo>
-                        <a:cubicBezTo>
-                          <a:pt x="-1056" y="1829245"/>
-                          <a:pt x="41958" y="1711282"/>
-                          <a:pt x="0" y="1465703"/>
-                        </a:cubicBezTo>
-                        <a:cubicBezTo>
-                          <a:pt x="-41958" y="1220124"/>
-                          <a:pt x="18485" y="1192152"/>
-                          <a:pt x="0" y="1071091"/>
-                        </a:cubicBezTo>
-                        <a:cubicBezTo>
-                          <a:pt x="-18485" y="950030"/>
-                          <a:pt x="53499" y="706177"/>
-                          <a:pt x="0" y="507359"/>
-                        </a:cubicBezTo>
-                        <a:cubicBezTo>
-                          <a:pt x="-53499" y="308541"/>
-                          <a:pt x="1797" y="205535"/>
-                          <a:pt x="0" y="0"/>
-                        </a:cubicBezTo>
-                        <a:close/>
-                      </a:path>
-                    </a:pathLst>
-                  </a:custGeom>
-                  <ask:type>
-                    <ask:lineSketchNone/>
-                  </ask:type>
-                </ask:lineSketchStyleProps>
-              </a:ext>
-            </a:extLst>
-          </a:ln>
-        </p:spPr>
-        <p:style>
-          <a:lnRef idx="2">
-            <a:schemeClr val="dk1"/>
-          </a:lnRef>
-          <a:fillRef idx="1">
-            <a:schemeClr val="lt1"/>
-          </a:fillRef>
-          <a:effectRef idx="0">
-            <a:schemeClr val="dk1"/>
-          </a:effectRef>
-          <a:fontRef idx="minor">
-            <a:schemeClr val="dk1"/>
-          </a:fontRef>
-        </p:style>
-        <p:txBody>
-          <a:bodyPr rtlCol="0" anchor="ctr"/>
-          <a:lstStyle/>
-          <a:p>
-            <a:pPr algn="ctr"/>
-            <a:endParaRPr lang="en-US"/>
-          </a:p>
-        </p:txBody>
-      </p:sp>
     </p:spTree>
     <p:extLst>
       <p:ext uri="{BB962C8B-B14F-4D97-AF65-F5344CB8AC3E}">
